--- a/管理学演示PPT.pptx
+++ b/管理学演示PPT.pptx
@@ -277,7 +277,7 @@
           <a:p>
             <a:fld id="{AE787D6D-4698-4FA9-9EE6-B62A791CF3A0}" type="datetimeFigureOut">
               <a:rPr lang="zh-CN" altLang="en-US" smtClean="0"/>
-              <a:t>2022/4/25</a:t>
+              <a:t>2022/4/26</a:t>
             </a:fld>
             <a:endParaRPr lang="zh-CN" altLang="en-US"/>
           </a:p>
@@ -429,7 +429,7 @@
           <a:p>
             <a:fld id="{AE787D6D-4698-4FA9-9EE6-B62A791CF3A0}" type="datetimeFigureOut">
               <a:rPr lang="zh-CN" altLang="en-US" smtClean="0"/>
-              <a:t>2022/4/25</a:t>
+              <a:t>2022/4/26</a:t>
             </a:fld>
             <a:endParaRPr lang="zh-CN" altLang="en-US"/>
           </a:p>
@@ -785,7 +785,7 @@
           <a:p>
             <a:fld id="{AE787D6D-4698-4FA9-9EE6-B62A791CF3A0}" type="datetimeFigureOut">
               <a:rPr lang="zh-CN" altLang="en-US" smtClean="0"/>
-              <a:t>2022/4/25</a:t>
+              <a:t>2022/4/26</a:t>
             </a:fld>
             <a:endParaRPr lang="zh-CN" altLang="en-US"/>
           </a:p>
@@ -1076,7 +1076,7 @@
           <a:p>
             <a:fld id="{AE787D6D-4698-4FA9-9EE6-B62A791CF3A0}" type="datetimeFigureOut">
               <a:rPr lang="zh-CN" altLang="en-US" smtClean="0"/>
-              <a:t>2022/4/25</a:t>
+              <a:t>2022/4/26</a:t>
             </a:fld>
             <a:endParaRPr lang="zh-CN" altLang="en-US"/>
           </a:p>
@@ -1274,7 +1274,7 @@
           <a:p>
             <a:fld id="{AE787D6D-4698-4FA9-9EE6-B62A791CF3A0}" type="datetimeFigureOut">
               <a:rPr lang="zh-CN" altLang="en-US" smtClean="0"/>
-              <a:t>2022/4/25</a:t>
+              <a:t>2022/4/26</a:t>
             </a:fld>
             <a:endParaRPr lang="zh-CN" altLang="en-US"/>
           </a:p>
@@ -1482,7 +1482,7 @@
           <a:p>
             <a:fld id="{AE787D6D-4698-4FA9-9EE6-B62A791CF3A0}" type="datetimeFigureOut">
               <a:rPr lang="zh-CN" altLang="en-US" smtClean="0"/>
-              <a:t>2022/4/25</a:t>
+              <a:t>2022/4/26</a:t>
             </a:fld>
             <a:endParaRPr lang="zh-CN" altLang="en-US"/>
           </a:p>
@@ -1680,7 +1680,7 @@
           <a:p>
             <a:fld id="{AE787D6D-4698-4FA9-9EE6-B62A791CF3A0}" type="datetimeFigureOut">
               <a:rPr lang="zh-CN" altLang="en-US" smtClean="0"/>
-              <a:t>2022/4/25</a:t>
+              <a:t>2022/4/26</a:t>
             </a:fld>
             <a:endParaRPr lang="zh-CN" altLang="en-US"/>
           </a:p>
@@ -1955,7 +1955,7 @@
           <a:p>
             <a:fld id="{AE787D6D-4698-4FA9-9EE6-B62A791CF3A0}" type="datetimeFigureOut">
               <a:rPr lang="zh-CN" altLang="en-US" smtClean="0"/>
-              <a:t>2022/4/25</a:t>
+              <a:t>2022/4/26</a:t>
             </a:fld>
             <a:endParaRPr lang="zh-CN" altLang="en-US"/>
           </a:p>
@@ -2220,7 +2220,7 @@
           <a:p>
             <a:fld id="{AE787D6D-4698-4FA9-9EE6-B62A791CF3A0}" type="datetimeFigureOut">
               <a:rPr lang="zh-CN" altLang="en-US" smtClean="0"/>
-              <a:t>2022/4/25</a:t>
+              <a:t>2022/4/26</a:t>
             </a:fld>
             <a:endParaRPr lang="zh-CN" altLang="en-US"/>
           </a:p>
@@ -2632,7 +2632,7 @@
           <a:p>
             <a:fld id="{AE787D6D-4698-4FA9-9EE6-B62A791CF3A0}" type="datetimeFigureOut">
               <a:rPr lang="zh-CN" altLang="en-US" smtClean="0"/>
-              <a:t>2022/4/25</a:t>
+              <a:t>2022/4/26</a:t>
             </a:fld>
             <a:endParaRPr lang="zh-CN" altLang="en-US"/>
           </a:p>
@@ -2773,7 +2773,7 @@
           <a:p>
             <a:fld id="{AE787D6D-4698-4FA9-9EE6-B62A791CF3A0}" type="datetimeFigureOut">
               <a:rPr lang="zh-CN" altLang="en-US" smtClean="0"/>
-              <a:t>2022/4/25</a:t>
+              <a:t>2022/4/26</a:t>
             </a:fld>
             <a:endParaRPr lang="zh-CN" altLang="en-US"/>
           </a:p>
@@ -2886,7 +2886,7 @@
           <a:p>
             <a:fld id="{AE787D6D-4698-4FA9-9EE6-B62A791CF3A0}" type="datetimeFigureOut">
               <a:rPr lang="zh-CN" altLang="en-US" smtClean="0"/>
-              <a:t>2022/4/25</a:t>
+              <a:t>2022/4/26</a:t>
             </a:fld>
             <a:endParaRPr lang="zh-CN" altLang="en-US"/>
           </a:p>
@@ -2999,7 +2999,7 @@
           <a:p>
             <a:fld id="{AE787D6D-4698-4FA9-9EE6-B62A791CF3A0}" type="datetimeFigureOut">
               <a:rPr lang="zh-CN" altLang="en-US" smtClean="0"/>
-              <a:t>2022/4/25</a:t>
+              <a:t>2022/4/26</a:t>
             </a:fld>
             <a:endParaRPr lang="zh-CN" altLang="en-US"/>
           </a:p>
@@ -3296,7 +3296,7 @@
           <a:p>
             <a:fld id="{AE787D6D-4698-4FA9-9EE6-B62A791CF3A0}" type="datetimeFigureOut">
               <a:rPr lang="zh-CN" altLang="en-US" smtClean="0"/>
-              <a:t>2022/4/25</a:t>
+              <a:t>2022/4/26</a:t>
             </a:fld>
             <a:endParaRPr lang="zh-CN" altLang="en-US"/>
           </a:p>
@@ -3740,7 +3740,7 @@
           <a:p>
             <a:fld id="{AE787D6D-4698-4FA9-9EE6-B62A791CF3A0}" type="datetimeFigureOut">
               <a:rPr lang="zh-CN" altLang="en-US" smtClean="0"/>
-              <a:t>2022/4/25</a:t>
+              <a:t>2022/4/26</a:t>
             </a:fld>
             <a:endParaRPr lang="zh-CN" altLang="en-US"/>
           </a:p>
@@ -4347,6 +4347,50 @@
           </a:p>
         </p:txBody>
       </p:sp>
+      <p:sp>
+        <p:nvSpPr>
+          <p:cNvPr id="2" name="文本框 1">
+            <a:extLst>
+              <a:ext uri="{FF2B5EF4-FFF2-40B4-BE49-F238E27FC236}">
+                <a16:creationId xmlns:a16="http://schemas.microsoft.com/office/drawing/2014/main" id="{CBF60EA9-F75E-4F5E-AE55-3F64BCF8A0E1}"/>
+              </a:ext>
+            </a:extLst>
+          </p:cNvPr>
+          <p:cNvSpPr txBox="1"/>
+          <p:nvPr/>
+        </p:nvSpPr>
+        <p:spPr>
+          <a:xfrm>
+            <a:off x="1252847" y="3972296"/>
+            <a:ext cx="6400800" cy="369332"/>
+          </a:xfrm>
+          <a:prstGeom prst="rect">
+            <a:avLst/>
+          </a:prstGeom>
+          <a:noFill/>
+        </p:spPr>
+        <p:txBody>
+          <a:bodyPr wrap="square" rtlCol="0">
+            <a:spAutoFit/>
+          </a:bodyPr>
+          <a:lstStyle/>
+          <a:p>
+            <a:r>
+              <a:rPr lang="en-US" altLang="zh-CN" dirty="0"/>
+              <a:t>18 </a:t>
+            </a:r>
+            <a:r>
+              <a:rPr lang="zh-CN" altLang="en-US" dirty="0"/>
+              <a:t>金信 冯云浩 </a:t>
+            </a:r>
+            <a:r>
+              <a:rPr lang="en-US" altLang="zh-CN" dirty="0"/>
+              <a:t>41828072</a:t>
+            </a:r>
+            <a:endParaRPr lang="zh-CN" altLang="en-US" dirty="0"/>
+          </a:p>
+        </p:txBody>
+      </p:sp>
     </p:spTree>
     <p:extLst>
       <p:ext uri="{BB962C8B-B14F-4D97-AF65-F5344CB8AC3E}">
@@ -7065,6 +7109,9 @@
               </a:lnSpc>
             </a:pPr>
             <a:endParaRPr lang="zh-CN" altLang="en-US" sz="4000" dirty="0">
+              <a:solidFill>
+                <a:schemeClr val="tx1"/>
+              </a:solidFill>
               <a:latin typeface="微软雅黑" pitchFamily="34" charset="-122"/>
               <a:ea typeface="微软雅黑" pitchFamily="34" charset="-122"/>
             </a:endParaRPr>
@@ -7147,6 +7194,9 @@
                 </a:lnSpc>
               </a:pPr>
               <a:endParaRPr lang="zh-CN" altLang="en-US" sz="4000" dirty="0">
+                <a:solidFill>
+                  <a:schemeClr val="tx1"/>
+                </a:solidFill>
                 <a:latin typeface="微软雅黑" pitchFamily="34" charset="-122"/>
                 <a:ea typeface="微软雅黑" pitchFamily="34" charset="-122"/>
               </a:endParaRPr>
@@ -7204,6 +7254,9 @@
                 </a:lnSpc>
               </a:pPr>
               <a:endParaRPr lang="zh-CN" altLang="en-US" sz="4000" dirty="0">
+                <a:solidFill>
+                  <a:schemeClr val="tx1"/>
+                </a:solidFill>
                 <a:latin typeface="微软雅黑" pitchFamily="34" charset="-122"/>
                 <a:ea typeface="微软雅黑" pitchFamily="34" charset="-122"/>
               </a:endParaRPr>
@@ -7226,7 +7279,7 @@
         <p:spPr>
           <a:xfrm>
             <a:off x="5398016" y="3023611"/>
-            <a:ext cx="1527435" cy="1690370"/>
+            <a:ext cx="1527435" cy="1614799"/>
           </a:xfrm>
           <a:prstGeom prst="rect">
             <a:avLst/>
@@ -7245,18 +7298,12 @@
             </a:pPr>
             <a:r>
               <a:rPr lang="zh-CN" altLang="en-US" sz="4000" dirty="0">
-                <a:solidFill>
-                  <a:schemeClr val="bg1"/>
-                </a:solidFill>
                 <a:latin typeface="方正清刻本悦宋简体" charset="0"/>
                 <a:ea typeface="方正清刻本悦宋简体" charset="0"/>
               </a:rPr>
               <a:t>项目背景</a:t>
             </a:r>
             <a:endParaRPr lang="en-US" altLang="zh-CN" sz="4000" dirty="0">
-              <a:solidFill>
-                <a:schemeClr val="bg1"/>
-              </a:solidFill>
               <a:latin typeface="方正清刻本悦宋简体" pitchFamily="2" charset="-122"/>
               <a:ea typeface="方正清刻本悦宋简体" pitchFamily="2" charset="-122"/>
             </a:endParaRPr>
@@ -7327,6 +7374,9 @@
               </a:lnSpc>
             </a:pPr>
             <a:endParaRPr lang="zh-CN" altLang="en-US" sz="3600" dirty="0">
+              <a:solidFill>
+                <a:schemeClr val="tx1"/>
+              </a:solidFill>
               <a:latin typeface="微软雅黑" pitchFamily="34" charset="-122"/>
               <a:ea typeface="微软雅黑" pitchFamily="34" charset="-122"/>
             </a:endParaRPr>
@@ -7368,9 +7418,6 @@
             </a:pPr>
             <a:r>
               <a:rPr lang="en-US" altLang="zh-CN" dirty="0">
-                <a:solidFill>
-                  <a:schemeClr val="tx2"/>
-                </a:solidFill>
                 <a:latin typeface="微软雅黑" pitchFamily="34" charset="-122"/>
                 <a:ea typeface="微软雅黑" pitchFamily="34" charset="-122"/>
               </a:rPr>
@@ -7378,9 +7425,6 @@
             </a:r>
             <a:r>
               <a:rPr lang="zh-CN" altLang="en-US" dirty="0">
-                <a:solidFill>
-                  <a:schemeClr val="tx2"/>
-                </a:solidFill>
                 <a:latin typeface="微软雅黑" pitchFamily="34" charset="-122"/>
                 <a:ea typeface="微软雅黑" pitchFamily="34" charset="-122"/>
               </a:rPr>
@@ -7388,18 +7432,12 @@
             </a:r>
             <a:r>
               <a:rPr lang="en-US" altLang="zh-CN" dirty="0">
-                <a:solidFill>
-                  <a:schemeClr val="tx2"/>
-                </a:solidFill>
                 <a:latin typeface="微软雅黑" pitchFamily="34" charset="-122"/>
                 <a:ea typeface="微软雅黑" pitchFamily="34" charset="-122"/>
               </a:rPr>
               <a:t> </a:t>
             </a:r>
             <a:endParaRPr lang="zh-CN" altLang="en-US" dirty="0">
-              <a:solidFill>
-                <a:schemeClr val="tx2"/>
-              </a:solidFill>
               <a:latin typeface="微软雅黑" pitchFamily="34" charset="-122"/>
               <a:ea typeface="微软雅黑" pitchFamily="34" charset="-122"/>
             </a:endParaRPr>
@@ -7487,11 +7525,6 @@
             </a:pPr>
             <a:r>
               <a:rPr lang="zh-CN" altLang="en-US" sz="1500" dirty="0">
-                <a:solidFill>
-                  <a:schemeClr val="bg2">
-                    <a:lumMod val="50000"/>
-                  </a:schemeClr>
-                </a:solidFill>
                 <a:latin typeface="微软雅黑" pitchFamily="34" charset="-122"/>
                 <a:ea typeface="微软雅黑" pitchFamily="34" charset="-122"/>
               </a:rPr>
@@ -7499,11 +7532,6 @@
             </a:r>
             <a:r>
               <a:rPr lang="en-US" altLang="zh-CN" sz="1500" dirty="0">
-                <a:solidFill>
-                  <a:schemeClr val="bg2">
-                    <a:lumMod val="50000"/>
-                  </a:schemeClr>
-                </a:solidFill>
                 <a:latin typeface="微软雅黑" pitchFamily="34" charset="-122"/>
                 <a:ea typeface="微软雅黑" pitchFamily="34" charset="-122"/>
               </a:rPr>
@@ -7511,11 +7539,6 @@
             </a:r>
             <a:r>
               <a:rPr lang="zh-CN" altLang="en-US" sz="1500" dirty="0">
-                <a:solidFill>
-                  <a:schemeClr val="bg2">
-                    <a:lumMod val="50000"/>
-                  </a:schemeClr>
-                </a:solidFill>
                 <a:latin typeface="微软雅黑" pitchFamily="34" charset="-122"/>
                 <a:ea typeface="微软雅黑" pitchFamily="34" charset="-122"/>
               </a:rPr>
@@ -7523,11 +7546,6 @@
             </a:r>
             <a:r>
               <a:rPr lang="en-US" altLang="zh-CN" sz="1500" dirty="0">
-                <a:solidFill>
-                  <a:schemeClr val="bg2">
-                    <a:lumMod val="50000"/>
-                  </a:schemeClr>
-                </a:solidFill>
                 <a:latin typeface="微软雅黑" pitchFamily="34" charset="-122"/>
                 <a:ea typeface="微软雅黑" pitchFamily="34" charset="-122"/>
               </a:rPr>
@@ -7535,11 +7553,6 @@
             </a:r>
             <a:r>
               <a:rPr lang="zh-CN" altLang="en-US" sz="1500" dirty="0">
-                <a:solidFill>
-                  <a:schemeClr val="bg2">
-                    <a:lumMod val="50000"/>
-                  </a:schemeClr>
-                </a:solidFill>
                 <a:latin typeface="微软雅黑" pitchFamily="34" charset="-122"/>
                 <a:ea typeface="微软雅黑" pitchFamily="34" charset="-122"/>
               </a:rPr>
@@ -7547,11 +7560,6 @@
             </a:r>
             <a:r>
               <a:rPr lang="en-US" altLang="zh-CN" sz="1500" dirty="0">
-                <a:solidFill>
-                  <a:schemeClr val="bg2">
-                    <a:lumMod val="50000"/>
-                  </a:schemeClr>
-                </a:solidFill>
                 <a:latin typeface="微软雅黑" pitchFamily="34" charset="-122"/>
                 <a:ea typeface="微软雅黑" pitchFamily="34" charset="-122"/>
               </a:rPr>
@@ -7559,11 +7567,6 @@
             </a:r>
             <a:r>
               <a:rPr lang="zh-CN" altLang="en-US" sz="1500" dirty="0">
-                <a:solidFill>
-                  <a:schemeClr val="bg2">
-                    <a:lumMod val="50000"/>
-                  </a:schemeClr>
-                </a:solidFill>
                 <a:latin typeface="微软雅黑" pitchFamily="34" charset="-122"/>
                 <a:ea typeface="微软雅黑" pitchFamily="34" charset="-122"/>
               </a:rPr>
@@ -7571,11 +7574,6 @@
             </a:r>
             <a:r>
               <a:rPr lang="en-US" altLang="zh-CN" sz="1500" dirty="0">
-                <a:solidFill>
-                  <a:schemeClr val="bg2">
-                    <a:lumMod val="50000"/>
-                  </a:schemeClr>
-                </a:solidFill>
                 <a:latin typeface="微软雅黑" pitchFamily="34" charset="-122"/>
                 <a:ea typeface="微软雅黑" pitchFamily="34" charset="-122"/>
               </a:rPr>
@@ -7583,11 +7581,6 @@
             </a:r>
             <a:r>
               <a:rPr lang="zh-CN" altLang="en-US" sz="1500" dirty="0">
-                <a:solidFill>
-                  <a:schemeClr val="bg2">
-                    <a:lumMod val="50000"/>
-                  </a:schemeClr>
-                </a:solidFill>
                 <a:latin typeface="微软雅黑" pitchFamily="34" charset="-122"/>
                 <a:ea typeface="微软雅黑" pitchFamily="34" charset="-122"/>
               </a:rPr>
@@ -7595,11 +7588,6 @@
             </a:r>
             <a:r>
               <a:rPr lang="en-US" altLang="zh-CN" sz="1500" dirty="0">
-                <a:solidFill>
-                  <a:schemeClr val="bg2">
-                    <a:lumMod val="50000"/>
-                  </a:schemeClr>
-                </a:solidFill>
                 <a:latin typeface="微软雅黑" pitchFamily="34" charset="-122"/>
                 <a:ea typeface="微软雅黑" pitchFamily="34" charset="-122"/>
               </a:rPr>
@@ -7607,11 +7595,6 @@
             </a:r>
             <a:r>
               <a:rPr lang="zh-CN" altLang="en-US" sz="1500" dirty="0">
-                <a:solidFill>
-                  <a:schemeClr val="bg2">
-                    <a:lumMod val="50000"/>
-                  </a:schemeClr>
-                </a:solidFill>
                 <a:latin typeface="微软雅黑" pitchFamily="34" charset="-122"/>
                 <a:ea typeface="微软雅黑" pitchFamily="34" charset="-122"/>
               </a:rPr>
@@ -7619,11 +7602,6 @@
             </a:r>
             <a:r>
               <a:rPr lang="en-US" altLang="zh-CN" sz="1500" dirty="0">
-                <a:solidFill>
-                  <a:schemeClr val="bg2">
-                    <a:lumMod val="50000"/>
-                  </a:schemeClr>
-                </a:solidFill>
                 <a:latin typeface="微软雅黑" pitchFamily="34" charset="-122"/>
                 <a:ea typeface="微软雅黑" pitchFamily="34" charset="-122"/>
               </a:rPr>
@@ -7631,11 +7609,6 @@
             </a:r>
             <a:r>
               <a:rPr lang="zh-CN" altLang="en-US" sz="1500" dirty="0">
-                <a:solidFill>
-                  <a:schemeClr val="bg2">
-                    <a:lumMod val="50000"/>
-                  </a:schemeClr>
-                </a:solidFill>
                 <a:latin typeface="微软雅黑" pitchFamily="34" charset="-122"/>
                 <a:ea typeface="微软雅黑" pitchFamily="34" charset="-122"/>
               </a:rPr>
@@ -7643,11 +7616,6 @@
             </a:r>
             <a:r>
               <a:rPr lang="en-US" altLang="zh-CN" sz="1500" dirty="0">
-                <a:solidFill>
-                  <a:schemeClr val="bg2">
-                    <a:lumMod val="50000"/>
-                  </a:schemeClr>
-                </a:solidFill>
                 <a:latin typeface="微软雅黑" pitchFamily="34" charset="-122"/>
                 <a:ea typeface="微软雅黑" pitchFamily="34" charset="-122"/>
               </a:rPr>
@@ -7655,22 +7623,12 @@
             </a:r>
             <a:r>
               <a:rPr lang="zh-CN" altLang="en-US" sz="1500" dirty="0">
-                <a:solidFill>
-                  <a:schemeClr val="bg2">
-                    <a:lumMod val="50000"/>
-                  </a:schemeClr>
-                </a:solidFill>
                 <a:latin typeface="微软雅黑" pitchFamily="34" charset="-122"/>
                 <a:ea typeface="微软雅黑" pitchFamily="34" charset="-122"/>
               </a:rPr>
               <a:t>。</a:t>
             </a:r>
             <a:endParaRPr lang="en-US" altLang="zh-CN" sz="1500" dirty="0">
-              <a:solidFill>
-                <a:schemeClr val="bg2">
-                  <a:lumMod val="50000"/>
-                </a:schemeClr>
-              </a:solidFill>
               <a:latin typeface="微软雅黑" pitchFamily="34" charset="-122"/>
               <a:ea typeface="微软雅黑" pitchFamily="34" charset="-122"/>
             </a:endParaRPr>
@@ -7741,6 +7699,9 @@
               </a:lnSpc>
             </a:pPr>
             <a:endParaRPr lang="zh-CN" altLang="en-US" sz="3600" dirty="0">
+              <a:solidFill>
+                <a:schemeClr val="tx1"/>
+              </a:solidFill>
               <a:latin typeface="微软雅黑" pitchFamily="34" charset="-122"/>
               <a:ea typeface="微软雅黑" pitchFamily="34" charset="-122"/>
             </a:endParaRPr>
@@ -7782,9 +7743,6 @@
             </a:pPr>
             <a:r>
               <a:rPr lang="en-US" altLang="zh-CN" dirty="0">
-                <a:solidFill>
-                  <a:schemeClr val="tx2"/>
-                </a:solidFill>
                 <a:latin typeface="微软雅黑" pitchFamily="34" charset="-122"/>
                 <a:ea typeface="微软雅黑" pitchFamily="34" charset="-122"/>
               </a:rPr>
@@ -7792,9 +7750,6 @@
             </a:r>
             <a:r>
               <a:rPr lang="zh-CN" altLang="en-US" dirty="0">
-                <a:solidFill>
-                  <a:schemeClr val="tx2"/>
-                </a:solidFill>
                 <a:latin typeface="微软雅黑" pitchFamily="34" charset="-122"/>
                 <a:ea typeface="微软雅黑" pitchFamily="34" charset="-122"/>
               </a:rPr>
@@ -7884,11 +7839,6 @@
             </a:pPr>
             <a:r>
               <a:rPr lang="zh-CN" altLang="en-US" sz="1500" dirty="0">
-                <a:solidFill>
-                  <a:schemeClr val="bg2">
-                    <a:lumMod val="50000"/>
-                  </a:schemeClr>
-                </a:solidFill>
                 <a:latin typeface="微软雅黑" pitchFamily="34" charset="-122"/>
                 <a:ea typeface="微软雅黑" pitchFamily="34" charset="-122"/>
               </a:rPr>
@@ -7896,22 +7846,12 @@
             </a:r>
             <a:r>
               <a:rPr lang="zh-CN" altLang="en-US" sz="1500" dirty="0">
-                <a:solidFill>
-                  <a:schemeClr val="bg2">
-                    <a:lumMod val="50000"/>
-                  </a:schemeClr>
-                </a:solidFill>
                 <a:latin typeface="微软雅黑" charset="0"/>
                 <a:ea typeface="微软雅黑" charset="0"/>
               </a:rPr>
               <a:t>。</a:t>
             </a:r>
             <a:endParaRPr lang="en-US" altLang="zh-CN" sz="1500" dirty="0">
-              <a:solidFill>
-                <a:schemeClr val="bg2">
-                  <a:lumMod val="50000"/>
-                </a:schemeClr>
-              </a:solidFill>
               <a:latin typeface="微软雅黑" pitchFamily="34" charset="-122"/>
               <a:ea typeface="微软雅黑" pitchFamily="34" charset="-122"/>
             </a:endParaRPr>
@@ -7980,6 +7920,9 @@
               </a:lnSpc>
             </a:pPr>
             <a:endParaRPr lang="zh-CN" altLang="en-US" sz="3600" dirty="0">
+              <a:solidFill>
+                <a:schemeClr val="tx1"/>
+              </a:solidFill>
               <a:latin typeface="微软雅黑" pitchFamily="34" charset="-122"/>
               <a:ea typeface="微软雅黑" pitchFamily="34" charset="-122"/>
             </a:endParaRPr>
@@ -8021,9 +7964,6 @@
             </a:pPr>
             <a:r>
               <a:rPr lang="en-US" altLang="zh-CN" dirty="0">
-                <a:solidFill>
-                  <a:schemeClr val="tx2"/>
-                </a:solidFill>
                 <a:latin typeface="微软雅黑" pitchFamily="34" charset="-122"/>
                 <a:ea typeface="微软雅黑" pitchFamily="34" charset="-122"/>
               </a:rPr>
@@ -8031,9 +7971,6 @@
             </a:r>
             <a:r>
               <a:rPr lang="zh-CN" altLang="en-US" dirty="0">
-                <a:solidFill>
-                  <a:schemeClr val="tx2"/>
-                </a:solidFill>
                 <a:latin typeface="微软雅黑" pitchFamily="34" charset="-122"/>
                 <a:ea typeface="微软雅黑" pitchFamily="34" charset="-122"/>
               </a:rPr>
@@ -8041,18 +7978,12 @@
             </a:r>
             <a:r>
               <a:rPr lang="en-US" altLang="zh-CN" dirty="0">
-                <a:solidFill>
-                  <a:schemeClr val="tx2"/>
-                </a:solidFill>
                 <a:latin typeface="微软雅黑" pitchFamily="34" charset="-122"/>
                 <a:ea typeface="微软雅黑" pitchFamily="34" charset="-122"/>
               </a:rPr>
               <a:t> </a:t>
             </a:r>
             <a:endParaRPr lang="zh-CN" altLang="en-US" dirty="0">
-              <a:solidFill>
-                <a:schemeClr val="tx2"/>
-              </a:solidFill>
               <a:latin typeface="微软雅黑" pitchFamily="34" charset="-122"/>
               <a:ea typeface="微软雅黑" pitchFamily="34" charset="-122"/>
             </a:endParaRPr>
@@ -8065,18 +7996,12 @@
             </a:pPr>
             <a:r>
               <a:rPr lang="en-US" altLang="zh-CN" dirty="0">
-                <a:solidFill>
-                  <a:schemeClr val="tx2"/>
-                </a:solidFill>
                 <a:latin typeface="微软雅黑" pitchFamily="34" charset="-122"/>
                 <a:ea typeface="微软雅黑" pitchFamily="34" charset="-122"/>
               </a:rPr>
               <a:t> </a:t>
             </a:r>
             <a:endParaRPr lang="zh-CN" altLang="en-US" dirty="0">
-              <a:solidFill>
-                <a:schemeClr val="tx2"/>
-              </a:solidFill>
               <a:latin typeface="微软雅黑" pitchFamily="34" charset="-122"/>
               <a:ea typeface="微软雅黑" pitchFamily="34" charset="-122"/>
             </a:endParaRPr>
@@ -8164,22 +8089,12 @@
             </a:pPr>
             <a:r>
               <a:rPr lang="zh-CN" altLang="en-US" sz="1500" dirty="0">
-                <a:solidFill>
-                  <a:schemeClr val="bg2">
-                    <a:lumMod val="50000"/>
-                  </a:schemeClr>
-                </a:solidFill>
                 <a:latin typeface="微软雅黑" pitchFamily="34" charset="-122"/>
                 <a:ea typeface="微软雅黑" pitchFamily="34" charset="-122"/>
               </a:rPr>
               <a:t>随着互联网技术的普及和人工智能的发展，越来越多的行业实现了与大数据的紧密融合。</a:t>
             </a:r>
             <a:endParaRPr lang="en-US" altLang="zh-CN" sz="1500" dirty="0">
-              <a:solidFill>
-                <a:schemeClr val="bg2">
-                  <a:lumMod val="50000"/>
-                </a:schemeClr>
-              </a:solidFill>
               <a:latin typeface="微软雅黑" pitchFamily="34" charset="-122"/>
               <a:ea typeface="微软雅黑" pitchFamily="34" charset="-122"/>
             </a:endParaRPr>
@@ -8248,6 +8163,9 @@
               </a:lnSpc>
             </a:pPr>
             <a:endParaRPr lang="zh-CN" altLang="en-US" sz="3600" dirty="0">
+              <a:solidFill>
+                <a:schemeClr val="tx1"/>
+              </a:solidFill>
               <a:latin typeface="微软雅黑" pitchFamily="34" charset="-122"/>
               <a:ea typeface="微软雅黑" pitchFamily="34" charset="-122"/>
             </a:endParaRPr>
@@ -8269,7 +8187,7 @@
         <p:spPr>
           <a:xfrm>
             <a:off x="7927564" y="3966640"/>
-            <a:ext cx="3067685" cy="449580"/>
+            <a:ext cx="3089303" cy="417356"/>
           </a:xfrm>
           <a:prstGeom prst="rect">
             <a:avLst/>
@@ -8289,9 +8207,6 @@
             </a:pPr>
             <a:r>
               <a:rPr lang="en-US" altLang="zh-CN" dirty="0">
-                <a:solidFill>
-                  <a:schemeClr val="tx2"/>
-                </a:solidFill>
                 <a:latin typeface="微软雅黑" pitchFamily="34" charset="-122"/>
                 <a:ea typeface="微软雅黑" pitchFamily="34" charset="-122"/>
               </a:rPr>
@@ -8299,9 +8214,6 @@
             </a:r>
             <a:r>
               <a:rPr lang="zh-CN" altLang="en-US" dirty="0">
-                <a:solidFill>
-                  <a:schemeClr val="tx2"/>
-                </a:solidFill>
                 <a:latin typeface="微软雅黑" pitchFamily="34" charset="-122"/>
                 <a:ea typeface="微软雅黑" pitchFamily="34" charset="-122"/>
               </a:rPr>
@@ -8309,18 +8221,12 @@
             </a:r>
             <a:r>
               <a:rPr lang="zh-CN" altLang="en-US" dirty="0">
-                <a:solidFill>
-                  <a:schemeClr val="tx2"/>
-                </a:solidFill>
                 <a:latin typeface="微软雅黑" charset="0"/>
                 <a:ea typeface="微软雅黑" charset="0"/>
               </a:rPr>
               <a:t>网易云音乐推荐不够精准</a:t>
             </a:r>
             <a:endParaRPr lang="zh-CN" altLang="en-US" dirty="0">
-              <a:solidFill>
-                <a:schemeClr val="tx2"/>
-              </a:solidFill>
               <a:latin typeface="微软雅黑" pitchFamily="34" charset="-122"/>
               <a:ea typeface="微软雅黑" pitchFamily="34" charset="-122"/>
             </a:endParaRPr>
@@ -8389,7 +8295,7 @@
         <p:spPr>
           <a:xfrm>
             <a:off x="7577498" y="4396017"/>
-            <a:ext cx="3778658" cy="690245"/>
+            <a:ext cx="3778658" cy="663256"/>
           </a:xfrm>
           <a:prstGeom prst="rect">
             <a:avLst/>
@@ -8408,22 +8314,12 @@
             </a:pPr>
             <a:r>
               <a:rPr lang="zh-CN" altLang="en-US" sz="1500" dirty="0">
-                <a:solidFill>
-                  <a:schemeClr val="bg2">
-                    <a:lumMod val="50000"/>
-                  </a:schemeClr>
-                </a:solidFill>
                 <a:latin typeface="微软雅黑" pitchFamily="34" charset="-122"/>
                 <a:ea typeface="微软雅黑" pitchFamily="34" charset="-122"/>
               </a:rPr>
               <a:t>目前，网易云音乐的推荐系统还不够精准，对于用户和歌曲的特征分析还需提高精度</a:t>
             </a:r>
             <a:endParaRPr lang="en-US" altLang="zh-CN" sz="1500" dirty="0">
-              <a:solidFill>
-                <a:schemeClr val="bg2">
-                  <a:lumMod val="50000"/>
-                </a:schemeClr>
-              </a:solidFill>
               <a:latin typeface="微软雅黑" pitchFamily="34" charset="-122"/>
               <a:ea typeface="微软雅黑" pitchFamily="34" charset="-122"/>
             </a:endParaRPr>
